--- a/Songbook/Songbook/poster.pptx
+++ b/Songbook/Songbook/poster.pptx
@@ -5451,7 +5451,7 @@
               <a:graphicData uri="http://schemas.openxmlformats.org/presentationml/2006/ole">
                 <mc:AlternateContent xmlns:mc="http://schemas.openxmlformats.org/markup-compatibility/2006">
                   <mc:Choice xmlns:v="urn:schemas-microsoft-com:vml" Requires="v">
-                    <p:oleObj spid="_x0000_s1115" name="Image" r:id="rId8" imgW="1828440" imgH="1117440" progId="Photoshop.Image.13">
+                    <p:oleObj spid="_x0000_s1128" name="Image" r:id="rId8" imgW="1828440" imgH="1117440" progId="Photoshop.Image.13">
                       <p:embed/>
                     </p:oleObj>
                   </mc:Choice>
@@ -5508,7 +5508,7 @@
               <a:graphicData uri="http://schemas.openxmlformats.org/presentationml/2006/ole">
                 <mc:AlternateContent xmlns:mc="http://schemas.openxmlformats.org/markup-compatibility/2006">
                   <mc:Choice xmlns:v="urn:schemas-microsoft-com:vml" Requires="v">
-                    <p:oleObj spid="_x0000_s1116" name="Image" r:id="rId10" imgW="1828440" imgH="1117440" progId="Photoshop.Image.13">
+                    <p:oleObj spid="_x0000_s1129" name="Image" r:id="rId10" imgW="1828440" imgH="1117440" progId="Photoshop.Image.13">
                       <p:embed/>
                     </p:oleObj>
                   </mc:Choice>
@@ -6636,7 +6636,7 @@
             <a:graphicData uri="http://schemas.openxmlformats.org/presentationml/2006/ole">
               <mc:AlternateContent xmlns:mc="http://schemas.openxmlformats.org/markup-compatibility/2006">
                 <mc:Choice xmlns:v="urn:schemas-microsoft-com:vml" Requires="v">
-                  <p:oleObj spid="_x0000_s1117" name="Image" r:id="rId12" imgW="4571280" imgH="1688760" progId="Photoshop.Image.13">
+                  <p:oleObj spid="_x0000_s1130" name="Image" r:id="rId12" imgW="4571280" imgH="1688760" progId="Photoshop.Image.13">
                     <p:embed/>
                   </p:oleObj>
                 </mc:Choice>
@@ -6720,7 +6720,7 @@
             <a:graphicData uri="http://schemas.openxmlformats.org/presentationml/2006/ole">
               <mc:AlternateContent xmlns:mc="http://schemas.openxmlformats.org/markup-compatibility/2006">
                 <mc:Choice xmlns:v="urn:schemas-microsoft-com:vml" Requires="v">
-                  <p:oleObj spid="_x0000_s1118" name="Image" r:id="rId15" imgW="1574280" imgH="1053720" progId="Photoshop.Image.13">
+                  <p:oleObj spid="_x0000_s1131" name="Image" r:id="rId15" imgW="1574280" imgH="1053720" progId="Photoshop.Image.13">
                     <p:embed/>
                   </p:oleObj>
                 </mc:Choice>
@@ -8717,7 +8717,7 @@
             <a:graphicData uri="http://schemas.openxmlformats.org/presentationml/2006/ole">
               <mc:AlternateContent xmlns:mc="http://schemas.openxmlformats.org/markup-compatibility/2006">
                 <mc:Choice xmlns:v="urn:schemas-microsoft-com:vml" Requires="v">
-                  <p:oleObj spid="_x0000_s2139" name="Image" r:id="rId4" imgW="4571280" imgH="1688760" progId="Photoshop.Image.13">
+                  <p:oleObj spid="_x0000_s2152" name="Image" r:id="rId4" imgW="4571280" imgH="1688760" progId="Photoshop.Image.13">
                     <p:embed/>
                   </p:oleObj>
                 </mc:Choice>
@@ -8801,7 +8801,7 @@
             <a:graphicData uri="http://schemas.openxmlformats.org/presentationml/2006/ole">
               <mc:AlternateContent xmlns:mc="http://schemas.openxmlformats.org/markup-compatibility/2006">
                 <mc:Choice xmlns:v="urn:schemas-microsoft-com:vml" Requires="v">
-                  <p:oleObj spid="_x0000_s2140" name="Image" r:id="rId7" imgW="1574280" imgH="1053720" progId="Photoshop.Image.13">
+                  <p:oleObj spid="_x0000_s2153" name="Image" r:id="rId7" imgW="1574280" imgH="1053720" progId="Photoshop.Image.13">
                     <p:embed/>
                   </p:oleObj>
                 </mc:Choice>
@@ -10341,7 +10341,7 @@
               <a:graphicData uri="http://schemas.openxmlformats.org/presentationml/2006/ole">
                 <mc:AlternateContent xmlns:mc="http://schemas.openxmlformats.org/markup-compatibility/2006">
                   <mc:Choice xmlns:v="urn:schemas-microsoft-com:vml" Requires="v">
-                    <p:oleObj spid="_x0000_s2141" name="Image" r:id="rId15" imgW="1828440" imgH="1117440" progId="Photoshop.Image.13">
+                    <p:oleObj spid="_x0000_s2154" name="Image" r:id="rId15" imgW="1828440" imgH="1117440" progId="Photoshop.Image.13">
                       <p:embed/>
                     </p:oleObj>
                   </mc:Choice>
@@ -10398,7 +10398,7 @@
               <a:graphicData uri="http://schemas.openxmlformats.org/presentationml/2006/ole">
                 <mc:AlternateContent xmlns:mc="http://schemas.openxmlformats.org/markup-compatibility/2006">
                   <mc:Choice xmlns:v="urn:schemas-microsoft-com:vml" Requires="v">
-                    <p:oleObj spid="_x0000_s2142" name="Image" r:id="rId17" imgW="1828440" imgH="1117440" progId="Photoshop.Image.13">
+                    <p:oleObj spid="_x0000_s2155" name="Image" r:id="rId17" imgW="1828440" imgH="1117440" progId="Photoshop.Image.13">
                       <p:embed/>
                     </p:oleObj>
                   </mc:Choice>
@@ -12226,7 +12226,7 @@
             <a:graphicData uri="http://schemas.openxmlformats.org/presentationml/2006/ole">
               <mc:AlternateContent xmlns:mc="http://schemas.openxmlformats.org/markup-compatibility/2006">
                 <mc:Choice xmlns:v="urn:schemas-microsoft-com:vml" Requires="v">
-                  <p:oleObj spid="_x0000_s3163" name="Image" r:id="rId4" imgW="4571280" imgH="1688760" progId="Photoshop.Image.13">
+                  <p:oleObj spid="_x0000_s3176" name="Image" r:id="rId4" imgW="4571280" imgH="1688760" progId="Photoshop.Image.13">
                     <p:embed/>
                   </p:oleObj>
                 </mc:Choice>
@@ -12310,7 +12310,7 @@
             <a:graphicData uri="http://schemas.openxmlformats.org/presentationml/2006/ole">
               <mc:AlternateContent xmlns:mc="http://schemas.openxmlformats.org/markup-compatibility/2006">
                 <mc:Choice xmlns:v="urn:schemas-microsoft-com:vml" Requires="v">
-                  <p:oleObj spid="_x0000_s3164" name="Image" r:id="rId7" imgW="1574280" imgH="1053720" progId="Photoshop.Image.13">
+                  <p:oleObj spid="_x0000_s3177" name="Image" r:id="rId7" imgW="1574280" imgH="1053720" progId="Photoshop.Image.13">
                     <p:embed/>
                   </p:oleObj>
                 </mc:Choice>
@@ -13850,7 +13850,7 @@
               <a:graphicData uri="http://schemas.openxmlformats.org/presentationml/2006/ole">
                 <mc:AlternateContent xmlns:mc="http://schemas.openxmlformats.org/markup-compatibility/2006">
                   <mc:Choice xmlns:v="urn:schemas-microsoft-com:vml" Requires="v">
-                    <p:oleObj spid="_x0000_s3165" name="Image" r:id="rId15" imgW="1828440" imgH="1117440" progId="Photoshop.Image.13">
+                    <p:oleObj spid="_x0000_s3178" name="Image" r:id="rId15" imgW="1828440" imgH="1117440" progId="Photoshop.Image.13">
                       <p:embed/>
                     </p:oleObj>
                   </mc:Choice>
@@ -13907,7 +13907,7 @@
               <a:graphicData uri="http://schemas.openxmlformats.org/presentationml/2006/ole">
                 <mc:AlternateContent xmlns:mc="http://schemas.openxmlformats.org/markup-compatibility/2006">
                   <mc:Choice xmlns:v="urn:schemas-microsoft-com:vml" Requires="v">
-                    <p:oleObj spid="_x0000_s3166" name="Image" r:id="rId17" imgW="1828440" imgH="1117440" progId="Photoshop.Image.13">
+                    <p:oleObj spid="_x0000_s3179" name="Image" r:id="rId17" imgW="1828440" imgH="1117440" progId="Photoshop.Image.13">
                       <p:embed/>
                     </p:oleObj>
                   </mc:Choice>
@@ -14476,7 +14476,6 @@
               <a:rPr lang="en-US" sz="3600" dirty="0"/>
               <a:t>or tab for short, provides an easy way for a string players (guitar players, bass players) to figure out how to play their part without requiring any formal training. </a:t>
             </a:r>
-            <a:endParaRPr lang="en-US" sz="3600" dirty="0"/>
           </a:p>
           <a:p>
             <a:pPr algn="just"/>
@@ -14840,7 +14839,7 @@
         <p:spPr>
           <a:xfrm>
             <a:off x="22258339" y="7187434"/>
-            <a:ext cx="10048874" cy="10655202"/>
+            <a:ext cx="10048874" cy="20959562"/>
           </a:xfrm>
         </p:spPr>
         <p:txBody>
@@ -14858,7 +14857,7 @@
           <a:p>
             <a:r>
               <a:rPr lang="en-US" sz="3600" dirty="0" smtClean="0"/>
-              <a:t>The iOS application was prepared with Swift. A screenshot is below,</a:t>
+              <a:t>On launching the app, users are greeted with a title screen asking for the group that they would like to join or create, and then the name:</a:t>
             </a:r>
           </a:p>
           <a:p>
@@ -14883,10 +14882,56 @@
             <a:endParaRPr lang="en-US" sz="3600" dirty="0"/>
           </a:p>
           <a:p>
+            <a:r>
+              <a:rPr lang="en-US" sz="3600" dirty="0" smtClean="0"/>
+              <a:t>After entering that data, the bandleader, or creator of the group, selects the songs that they want to play.</a:t>
+            </a:r>
+          </a:p>
+          <a:p>
+            <a:endParaRPr lang="en-US" sz="3600" dirty="0"/>
+          </a:p>
+          <a:p>
             <a:endParaRPr lang="en-US" sz="3600" dirty="0" smtClean="0"/>
           </a:p>
           <a:p>
-            <a:endParaRPr lang="en-US" sz="3600"/>
+            <a:endParaRPr lang="en-US" sz="3600" dirty="0"/>
+          </a:p>
+          <a:p>
+            <a:endParaRPr lang="en-US" sz="3600" dirty="0" smtClean="0"/>
+          </a:p>
+          <a:p>
+            <a:endParaRPr lang="en-US" sz="3600" dirty="0"/>
+          </a:p>
+          <a:p>
+            <a:r>
+              <a:rPr lang="en-US" sz="3600" dirty="0" smtClean="0"/>
+              <a:t>Finally, the </a:t>
+            </a:r>
+            <a:endParaRPr lang="en-US" sz="3600" dirty="0" smtClean="0"/>
+          </a:p>
+          <a:p>
+            <a:endParaRPr lang="en-US" sz="3600" dirty="0"/>
+          </a:p>
+          <a:p>
+            <a:endParaRPr lang="en-US" sz="3600" dirty="0" smtClean="0"/>
+          </a:p>
+          <a:p>
+            <a:endParaRPr lang="en-US" sz="3600" dirty="0"/>
+          </a:p>
+          <a:p>
+            <a:endParaRPr lang="en-US" sz="3600" dirty="0" smtClean="0"/>
+          </a:p>
+          <a:p>
+            <a:endParaRPr lang="en-US" sz="3600" dirty="0"/>
+          </a:p>
+          <a:p>
+            <a:endParaRPr lang="en-US" sz="3600" dirty="0" smtClean="0"/>
+          </a:p>
+          <a:p>
+            <a:endParaRPr lang="en-US" sz="3600" dirty="0"/>
+          </a:p>
+          <a:p>
+            <a:endParaRPr lang="en-US" sz="3600" dirty="0" smtClean="0"/>
           </a:p>
           <a:p>
             <a:endParaRPr lang="en-US" sz="3600" dirty="0"/>
@@ -14978,7 +15023,7 @@
         <p:spPr>
           <a:xfrm>
             <a:off x="32914027" y="7224842"/>
-            <a:ext cx="10047018" cy="1680438"/>
+            <a:ext cx="10047018" cy="9742358"/>
           </a:xfrm>
         </p:spPr>
         <p:txBody>
@@ -15217,7 +15262,7 @@
         </p:blipFill>
         <p:spPr>
           <a:xfrm>
-            <a:off x="23037800" y="11269044"/>
+            <a:off x="23033233" y="22686491"/>
             <a:ext cx="8483600" cy="5016500"/>
           </a:xfrm>
           <a:prstGeom prst="rect">

--- a/Songbook/Songbook/poster.pptx
+++ b/Songbook/Songbook/poster.pptx
@@ -5451,7 +5451,7 @@
               <a:graphicData uri="http://schemas.openxmlformats.org/presentationml/2006/ole">
                 <mc:AlternateContent xmlns:mc="http://schemas.openxmlformats.org/markup-compatibility/2006">
                   <mc:Choice xmlns:v="urn:schemas-microsoft-com:vml" Requires="v">
-                    <p:oleObj spid="_x0000_s1128" name="Image" r:id="rId8" imgW="1828440" imgH="1117440" progId="Photoshop.Image.13">
+                    <p:oleObj spid="_x0000_s1174" name="Image" r:id="rId8" imgW="1828440" imgH="1117440" progId="Photoshop.Image.13">
                       <p:embed/>
                     </p:oleObj>
                   </mc:Choice>
@@ -5508,7 +5508,7 @@
               <a:graphicData uri="http://schemas.openxmlformats.org/presentationml/2006/ole">
                 <mc:AlternateContent xmlns:mc="http://schemas.openxmlformats.org/markup-compatibility/2006">
                   <mc:Choice xmlns:v="urn:schemas-microsoft-com:vml" Requires="v">
-                    <p:oleObj spid="_x0000_s1129" name="Image" r:id="rId10" imgW="1828440" imgH="1117440" progId="Photoshop.Image.13">
+                    <p:oleObj spid="_x0000_s1175" name="Image" r:id="rId10" imgW="1828440" imgH="1117440" progId="Photoshop.Image.13">
                       <p:embed/>
                     </p:oleObj>
                   </mc:Choice>
@@ -6636,7 +6636,7 @@
             <a:graphicData uri="http://schemas.openxmlformats.org/presentationml/2006/ole">
               <mc:AlternateContent xmlns:mc="http://schemas.openxmlformats.org/markup-compatibility/2006">
                 <mc:Choice xmlns:v="urn:schemas-microsoft-com:vml" Requires="v">
-                  <p:oleObj spid="_x0000_s1130" name="Image" r:id="rId12" imgW="4571280" imgH="1688760" progId="Photoshop.Image.13">
+                  <p:oleObj spid="_x0000_s1176" name="Image" r:id="rId12" imgW="4571280" imgH="1688760" progId="Photoshop.Image.13">
                     <p:embed/>
                   </p:oleObj>
                 </mc:Choice>
@@ -6720,7 +6720,7 @@
             <a:graphicData uri="http://schemas.openxmlformats.org/presentationml/2006/ole">
               <mc:AlternateContent xmlns:mc="http://schemas.openxmlformats.org/markup-compatibility/2006">
                 <mc:Choice xmlns:v="urn:schemas-microsoft-com:vml" Requires="v">
-                  <p:oleObj spid="_x0000_s1131" name="Image" r:id="rId15" imgW="1574280" imgH="1053720" progId="Photoshop.Image.13">
+                  <p:oleObj spid="_x0000_s1177" name="Image" r:id="rId15" imgW="1574280" imgH="1053720" progId="Photoshop.Image.13">
                     <p:embed/>
                   </p:oleObj>
                 </mc:Choice>
@@ -8717,7 +8717,7 @@
             <a:graphicData uri="http://schemas.openxmlformats.org/presentationml/2006/ole">
               <mc:AlternateContent xmlns:mc="http://schemas.openxmlformats.org/markup-compatibility/2006">
                 <mc:Choice xmlns:v="urn:schemas-microsoft-com:vml" Requires="v">
-                  <p:oleObj spid="_x0000_s2152" name="Image" r:id="rId4" imgW="4571280" imgH="1688760" progId="Photoshop.Image.13">
+                  <p:oleObj spid="_x0000_s2198" name="Image" r:id="rId4" imgW="4571280" imgH="1688760" progId="Photoshop.Image.13">
                     <p:embed/>
                   </p:oleObj>
                 </mc:Choice>
@@ -8801,7 +8801,7 @@
             <a:graphicData uri="http://schemas.openxmlformats.org/presentationml/2006/ole">
               <mc:AlternateContent xmlns:mc="http://schemas.openxmlformats.org/markup-compatibility/2006">
                 <mc:Choice xmlns:v="urn:schemas-microsoft-com:vml" Requires="v">
-                  <p:oleObj spid="_x0000_s2153" name="Image" r:id="rId7" imgW="1574280" imgH="1053720" progId="Photoshop.Image.13">
+                  <p:oleObj spid="_x0000_s2199" name="Image" r:id="rId7" imgW="1574280" imgH="1053720" progId="Photoshop.Image.13">
                     <p:embed/>
                   </p:oleObj>
                 </mc:Choice>
@@ -10341,7 +10341,7 @@
               <a:graphicData uri="http://schemas.openxmlformats.org/presentationml/2006/ole">
                 <mc:AlternateContent xmlns:mc="http://schemas.openxmlformats.org/markup-compatibility/2006">
                   <mc:Choice xmlns:v="urn:schemas-microsoft-com:vml" Requires="v">
-                    <p:oleObj spid="_x0000_s2154" name="Image" r:id="rId15" imgW="1828440" imgH="1117440" progId="Photoshop.Image.13">
+                    <p:oleObj spid="_x0000_s2200" name="Image" r:id="rId15" imgW="1828440" imgH="1117440" progId="Photoshop.Image.13">
                       <p:embed/>
                     </p:oleObj>
                   </mc:Choice>
@@ -10398,7 +10398,7 @@
               <a:graphicData uri="http://schemas.openxmlformats.org/presentationml/2006/ole">
                 <mc:AlternateContent xmlns:mc="http://schemas.openxmlformats.org/markup-compatibility/2006">
                   <mc:Choice xmlns:v="urn:schemas-microsoft-com:vml" Requires="v">
-                    <p:oleObj spid="_x0000_s2155" name="Image" r:id="rId17" imgW="1828440" imgH="1117440" progId="Photoshop.Image.13">
+                    <p:oleObj spid="_x0000_s2201" name="Image" r:id="rId17" imgW="1828440" imgH="1117440" progId="Photoshop.Image.13">
                       <p:embed/>
                     </p:oleObj>
                   </mc:Choice>
@@ -12226,7 +12226,7 @@
             <a:graphicData uri="http://schemas.openxmlformats.org/presentationml/2006/ole">
               <mc:AlternateContent xmlns:mc="http://schemas.openxmlformats.org/markup-compatibility/2006">
                 <mc:Choice xmlns:v="urn:schemas-microsoft-com:vml" Requires="v">
-                  <p:oleObj spid="_x0000_s3176" name="Image" r:id="rId4" imgW="4571280" imgH="1688760" progId="Photoshop.Image.13">
+                  <p:oleObj spid="_x0000_s3222" name="Image" r:id="rId4" imgW="4571280" imgH="1688760" progId="Photoshop.Image.13">
                     <p:embed/>
                   </p:oleObj>
                 </mc:Choice>
@@ -12310,7 +12310,7 @@
             <a:graphicData uri="http://schemas.openxmlformats.org/presentationml/2006/ole">
               <mc:AlternateContent xmlns:mc="http://schemas.openxmlformats.org/markup-compatibility/2006">
                 <mc:Choice xmlns:v="urn:schemas-microsoft-com:vml" Requires="v">
-                  <p:oleObj spid="_x0000_s3177" name="Image" r:id="rId7" imgW="1574280" imgH="1053720" progId="Photoshop.Image.13">
+                  <p:oleObj spid="_x0000_s3223" name="Image" r:id="rId7" imgW="1574280" imgH="1053720" progId="Photoshop.Image.13">
                     <p:embed/>
                   </p:oleObj>
                 </mc:Choice>
@@ -13850,7 +13850,7 @@
               <a:graphicData uri="http://schemas.openxmlformats.org/presentationml/2006/ole">
                 <mc:AlternateContent xmlns:mc="http://schemas.openxmlformats.org/markup-compatibility/2006">
                   <mc:Choice xmlns:v="urn:schemas-microsoft-com:vml" Requires="v">
-                    <p:oleObj spid="_x0000_s3178" name="Image" r:id="rId15" imgW="1828440" imgH="1117440" progId="Photoshop.Image.13">
+                    <p:oleObj spid="_x0000_s3224" name="Image" r:id="rId15" imgW="1828440" imgH="1117440" progId="Photoshop.Image.13">
                       <p:embed/>
                     </p:oleObj>
                   </mc:Choice>
@@ -13907,7 +13907,7 @@
               <a:graphicData uri="http://schemas.openxmlformats.org/presentationml/2006/ole">
                 <mc:AlternateContent xmlns:mc="http://schemas.openxmlformats.org/markup-compatibility/2006">
                   <mc:Choice xmlns:v="urn:schemas-microsoft-com:vml" Requires="v">
-                    <p:oleObj spid="_x0000_s3179" name="Image" r:id="rId17" imgW="1828440" imgH="1117440" progId="Photoshop.Image.13">
+                    <p:oleObj spid="_x0000_s3225" name="Image" r:id="rId17" imgW="1828440" imgH="1117440" progId="Photoshop.Image.13">
                       <p:embed/>
                     </p:oleObj>
                   </mc:Choice>
@@ -14474,7 +14474,23 @@
             </a:r>
             <a:r>
               <a:rPr lang="en-US" sz="3600" dirty="0"/>
-              <a:t>or tab for short, provides an easy way for a string players (guitar players, bass players) to figure out how to play their part without requiring any formal training. </a:t>
+              <a:t>or tab for short, provides an easy way </a:t>
+            </a:r>
+            <a:r>
+              <a:rPr lang="en-US" sz="3600" dirty="0" smtClean="0"/>
+              <a:t>for </a:t>
+            </a:r>
+            <a:r>
+              <a:rPr lang="en-US" sz="3600" dirty="0"/>
+              <a:t>string players (guitar players, bass </a:t>
+            </a:r>
+            <a:r>
+              <a:rPr lang="en-US" sz="3600" dirty="0" smtClean="0"/>
+              <a:t>players, etc.) </a:t>
+            </a:r>
+            <a:r>
+              <a:rPr lang="en-US" sz="3600" dirty="0"/>
+              <a:t>to figure out how to play their part without requiring any formal training. </a:t>
             </a:r>
           </a:p>
           <a:p>
@@ -14606,7 +14622,23 @@
             </a:r>
             <a:r>
               <a:rPr lang="en-US" sz="3600" dirty="0"/>
-              <a:t>On a device such as a phone or a laptop, the musician must scroll through the tab to read it, which is impossible while playing music at the same time. If the tab is printed, they still have to turn the page. Additionally, it is difficult to </a:t>
+              <a:t>On a device such as a phone or a laptop, the musician must scroll through the tab to read it, which is impossible while playing </a:t>
+            </a:r>
+            <a:r>
+              <a:rPr lang="en-US" sz="3600" dirty="0" smtClean="0"/>
+              <a:t>guitar </a:t>
+            </a:r>
+            <a:r>
+              <a:rPr lang="en-US" sz="3600" dirty="0"/>
+              <a:t>at the same time. If the tab is printed, they still have to turn the </a:t>
+            </a:r>
+            <a:r>
+              <a:rPr lang="en-US" sz="3600" dirty="0" smtClean="0"/>
+              <a:t>pages. </a:t>
+            </a:r>
+            <a:r>
+              <a:rPr lang="en-US" sz="3600" dirty="0"/>
+              <a:t>Additionally, it is difficult to </a:t>
             </a:r>
             <a:r>
               <a:rPr lang="en-US" sz="3600" dirty="0" smtClean="0"/>
@@ -14677,7 +14709,7 @@
         <p:spPr>
           <a:xfrm>
             <a:off x="11587165" y="7187435"/>
-            <a:ext cx="10048874" cy="22067557"/>
+            <a:ext cx="10048874" cy="22621555"/>
           </a:xfrm>
         </p:spPr>
         <p:txBody>
@@ -14726,7 +14758,7 @@
             </a:r>
             <a:r>
               <a:rPr lang="en-US" sz="3600" dirty="0" smtClean="0"/>
-              <a:t>format. This allows us to display the music in tab notation while also assuring the rhythmic value is displayed. We make use of a ”scrolling” tab that shows players when to play a note. This  system makes it clear when the players are supposed to be playing, and alleviates the scrolling problem. There are also a number of </a:t>
+              <a:t>format. This allows us to display the music in tab notation while also assuring the rhythmic value is accounted for. We make use of a ”scrolling” tab that shows players when to play a note. This  system makes it clear when the players are supposed to be playing, and alleviates the scrolling problem stated in the introduction. There are also a number of </a:t>
             </a:r>
             <a:r>
               <a:rPr lang="en-US" sz="3600" dirty="0" err="1" smtClean="0"/>
@@ -14734,7 +14766,7 @@
             </a:r>
             <a:r>
               <a:rPr lang="en-US" sz="3600" dirty="0" smtClean="0"/>
-              <a:t> editors out there, making it easy for arrangers to arrange music. That is all of the parts contained in the </a:t>
+              <a:t> editors out there, making it easy for arrangers to arrange music in this format. This assures that all of the parts contained in the </a:t>
             </a:r>
             <a:r>
               <a:rPr lang="en-US" sz="3600" dirty="0" err="1" smtClean="0"/>
@@ -14742,23 +14774,22 @@
             </a:r>
             <a:r>
               <a:rPr lang="en-US" sz="3600" dirty="0" smtClean="0"/>
-              <a:t> file will line up with each other </a:t>
+              <a:t> file will line up with each other.</a:t>
             </a:r>
           </a:p>
           <a:p>
             <a:pPr algn="just"/>
             <a:r>
-              <a:rPr lang="en-US" sz="3600" dirty="0"/>
+              <a:rPr lang="en-US" sz="3600" dirty="0" smtClean="0"/>
               <a:t/>
             </a:r>
             <a:br>
-              <a:rPr lang="en-US" sz="3600" dirty="0"/>
+              <a:rPr lang="en-US" sz="3600" dirty="0" smtClean="0"/>
             </a:br>
             <a:r>
-              <a:rPr lang="en-US" sz="3600" dirty="0"/>
+              <a:rPr lang="en-US" sz="3600" dirty="0" smtClean="0"/>
               <a:t>We will also allow each user to make small, rudimentary edits for their part, such as adjusting a note value, extending or deleting a note, or making an annotation. These edits, once finalized, are saved back onto the bandleaders’ device. </a:t>
             </a:r>
-            <a:endParaRPr lang="en-US" sz="3600" dirty="0" smtClean="0"/>
           </a:p>
           <a:p>
             <a:pPr algn="just"/>
@@ -14784,7 +14815,7 @@
             </a:r>
             <a:r>
               <a:rPr lang="en-US" sz="3600" dirty="0" smtClean="0"/>
-              <a:t>, but our use of networking to support bands is the niche we aim to fill</a:t>
+              <a:t>, but our use of networking to support bands is the niche we aim to fill.</a:t>
             </a:r>
             <a:endParaRPr lang="en-US" sz="3600" dirty="0"/>
           </a:p>
@@ -14839,7 +14870,7 @@
         <p:spPr>
           <a:xfrm>
             <a:off x="22258339" y="7187434"/>
-            <a:ext cx="10048874" cy="20959562"/>
+            <a:ext cx="10048874" cy="24726747"/>
           </a:xfrm>
         </p:spPr>
         <p:txBody>
@@ -14857,8 +14888,16 @@
           <a:p>
             <a:r>
               <a:rPr lang="en-US" sz="3600" dirty="0" smtClean="0"/>
-              <a:t>On launching the app, users are greeted with a title screen asking for the group that they would like to join or create, and then the name:</a:t>
-            </a:r>
+              <a:t>On launching the app, users are greeted with a title screen asking for their name and also the name of the group that they would like to join or create</a:t>
+            </a:r>
+            <a:r>
+              <a:rPr lang="en-US" sz="3600" dirty="0"/>
+              <a:t>.</a:t>
+            </a:r>
+            <a:endParaRPr lang="en-US" sz="3600" dirty="0" smtClean="0"/>
+          </a:p>
+          <a:p>
+            <a:endParaRPr lang="en-US" sz="3600" dirty="0" smtClean="0"/>
           </a:p>
           <a:p>
             <a:endParaRPr lang="en-US" sz="3600" dirty="0"/>
@@ -14884,7 +14923,15 @@
           <a:p>
             <a:r>
               <a:rPr lang="en-US" sz="3600" dirty="0" smtClean="0"/>
-              <a:t>After entering that data, the bandleader, or creator of the group, selects the songs that they want to play.</a:t>
+              <a:t>After entering that data, the user is redirected to a lobby screen, where they can see all the other band members in the session. The bandleader, or the creator of the </a:t>
+            </a:r>
+            <a:r>
+              <a:rPr lang="en-US" sz="3600" dirty="0" smtClean="0"/>
+              <a:t>session, </a:t>
+            </a:r>
+            <a:r>
+              <a:rPr lang="en-US" sz="3600" dirty="0" smtClean="0"/>
+              <a:t>browses their device for the song (s) they want to play.</a:t>
             </a:r>
           </a:p>
           <a:p>
@@ -14903,13 +14950,20 @@
             <a:endParaRPr lang="en-US" sz="3600" dirty="0"/>
           </a:p>
           <a:p>
-            <a:r>
-              <a:rPr lang="en-US" sz="3600" dirty="0" smtClean="0"/>
-              <a:t>Finally, the </a:t>
-            </a:r>
             <a:endParaRPr lang="en-US" sz="3600" dirty="0" smtClean="0"/>
           </a:p>
           <a:p>
+            <a:endParaRPr lang="en-US" sz="3600" dirty="0" smtClean="0"/>
+          </a:p>
+          <a:p>
+            <a:endParaRPr lang="en-US" sz="3600" dirty="0"/>
+          </a:p>
+          <a:p>
+            <a:pPr algn="just"/>
+            <a:r>
+              <a:rPr lang="en-US" sz="3600" dirty="0" smtClean="0"/>
+              <a:t>Finally, each user selects the part they desire, and playback is synchronized across all devices.</a:t>
+            </a:r>
             <a:endParaRPr lang="en-US" sz="3600" dirty="0"/>
           </a:p>
           <a:p>
@@ -15000,7 +15054,7 @@
                 <a:ea typeface="Verdana" charset="0"/>
                 <a:cs typeface="Verdana" charset="0"/>
               </a:rPr>
-              <a:t>CONCLUSIONS</a:t>
+              <a:t>FUTURE WORK</a:t>
             </a:r>
             <a:endParaRPr lang="en-US" sz="7000" dirty="0">
               <a:latin typeface="Verdana" charset="0"/>
@@ -15023,16 +15077,112 @@
         <p:spPr>
           <a:xfrm>
             <a:off x="32914027" y="7224842"/>
-            <a:ext cx="10047018" cy="9742358"/>
+            <a:ext cx="10047018" cy="19408368"/>
           </a:xfrm>
         </p:spPr>
         <p:txBody>
           <a:bodyPr/>
           <a:lstStyle/>
           <a:p>
+            <a:pPr algn="just"/>
+            <a:r>
+              <a:rPr lang="en-US" sz="3600" dirty="0" smtClean="0"/>
+              <a:t>Our application provides an effective way for bands to practice together. However, given the lack of popularity of </a:t>
+            </a:r>
+            <a:r>
+              <a:rPr lang="en-US" sz="3600" dirty="0" err="1" smtClean="0"/>
+              <a:t>musicXML</a:t>
+            </a:r>
+            <a:r>
+              <a:rPr lang="en-US" sz="3600" dirty="0" smtClean="0"/>
+              <a:t> files, we imagine that, in order to play most songs, users will find songs in the more popular (but proprietary and much harder to parse!) Guitar Pro file format, download them onto a PC, convert them to </a:t>
+            </a:r>
+            <a:r>
+              <a:rPr lang="en-US" sz="3600" dirty="0" err="1" smtClean="0"/>
+              <a:t>musicXML</a:t>
+            </a:r>
+            <a:r>
+              <a:rPr lang="en-US" sz="3600" dirty="0" smtClean="0"/>
+              <a:t> using some program (such as </a:t>
+            </a:r>
+            <a:r>
+              <a:rPr lang="en-US" sz="3600" dirty="0" err="1" smtClean="0"/>
+              <a:t>TuxGuitar</a:t>
+            </a:r>
+            <a:r>
+              <a:rPr lang="en-US" sz="3600" dirty="0" smtClean="0"/>
+              <a:t>), and then transfer the files onto their phone. In practice, we believe most users will be unwilling to do all of this work.</a:t>
+            </a:r>
+          </a:p>
+          <a:p>
+            <a:pPr algn="just"/>
+            <a:endParaRPr lang="en-US" sz="3600" dirty="0"/>
+          </a:p>
+          <a:p>
+            <a:pPr algn="just"/>
+            <a:r>
+              <a:rPr lang="en-US" sz="3600" dirty="0" smtClean="0"/>
+              <a:t>There are a few ways to solve this problem. One solution is to give our server the capability to convert Guitar Pro files to </a:t>
+            </a:r>
+            <a:r>
+              <a:rPr lang="en-US" sz="3600" dirty="0" err="1" smtClean="0"/>
+              <a:t>musicXML</a:t>
+            </a:r>
+            <a:r>
+              <a:rPr lang="en-US" sz="3600" dirty="0" smtClean="0"/>
+              <a:t> files, and vice versa if the file is edited during playback. One issue with this approach is that the Guitar Pro file that a user uploads might be poorly written and not actually line up with the song, so they would still have to preview the Guitar Pro file first. Additionally, annotations in the </a:t>
+            </a:r>
+            <a:r>
+              <a:rPr lang="en-US" sz="3600" dirty="0" err="1" smtClean="0"/>
+              <a:t>musicXML</a:t>
+            </a:r>
+            <a:r>
+              <a:rPr lang="en-US" sz="3600" dirty="0" smtClean="0"/>
+              <a:t> file that users create would not be converted back to the Guitar Pro format.</a:t>
+            </a:r>
+          </a:p>
+          <a:p>
+            <a:pPr algn="just"/>
+            <a:endParaRPr lang="en-US" sz="3600" dirty="0"/>
+          </a:p>
+          <a:p>
+            <a:pPr algn="just"/>
+            <a:r>
+              <a:rPr lang="en-US" sz="3600" dirty="0" smtClean="0"/>
+              <a:t>Another approach would be to have a curated collection of popular songs in </a:t>
+            </a:r>
+            <a:r>
+              <a:rPr lang="en-US" sz="3600" dirty="0" err="1" smtClean="0"/>
+              <a:t>musicXML</a:t>
+            </a:r>
+            <a:r>
+              <a:rPr lang="en-US" sz="3600" dirty="0" smtClean="0"/>
+              <a:t> format housed in a database on our server. Users could upload their own songs publicly, and other users could vote on them based on how true they are to the original. This approach could help to kick start the popularity of the </a:t>
+            </a:r>
+            <a:r>
+              <a:rPr lang="en-US" sz="3600" dirty="0" err="1" smtClean="0"/>
+              <a:t>musicXML</a:t>
+            </a:r>
+            <a:r>
+              <a:rPr lang="en-US" sz="3600" dirty="0" smtClean="0"/>
+              <a:t> format, which we find to be superior to the Guitar </a:t>
+            </a:r>
+            <a:r>
+              <a:rPr lang="en-US" sz="3600" dirty="0"/>
+              <a:t>P</a:t>
+            </a:r>
+            <a:r>
+              <a:rPr lang="en-US" sz="3600" dirty="0" smtClean="0"/>
+              <a:t>ro format.</a:t>
+            </a:r>
+            <a:endParaRPr lang="en-US" sz="3600" dirty="0"/>
+          </a:p>
+          <a:p>
+            <a:pPr algn="just"/>
             <a:endParaRPr lang="en-US" sz="3600" dirty="0" smtClean="0"/>
           </a:p>
           <a:p>
+            <a:pPr algn="just"/>
             <a:endParaRPr lang="en-US" sz="3600" dirty="0"/>
           </a:p>
         </p:txBody>
@@ -15049,15 +15199,23 @@
         </p:nvSpPr>
         <p:spPr>
           <a:xfrm>
-            <a:off x="32914027" y="25450801"/>
-            <a:ext cx="10047018" cy="1405828"/>
+            <a:off x="32929513" y="26079216"/>
+            <a:ext cx="10047018" cy="1107988"/>
           </a:xfrm>
         </p:spPr>
         <p:txBody>
           <a:bodyPr/>
           <a:lstStyle/>
           <a:p>
-            <a:endParaRPr lang="en-US" dirty="0">
+            <a:r>
+              <a:rPr lang="en-US" sz="6000" dirty="0" smtClean="0">
+                <a:latin typeface="Verdana" charset="0"/>
+                <a:ea typeface="Verdana" charset="0"/>
+                <a:cs typeface="Verdana" charset="0"/>
+              </a:rPr>
+              <a:t>ACKNOWLEDGEMENTS</a:t>
+            </a:r>
+            <a:endParaRPr lang="en-US" sz="6000" dirty="0">
               <a:latin typeface="Verdana" charset="0"/>
               <a:ea typeface="Verdana" charset="0"/>
               <a:cs typeface="Verdana" charset="0"/>
@@ -15077,15 +15235,60 @@
         </p:nvSpPr>
         <p:spPr>
           <a:xfrm>
-            <a:off x="32914027" y="26856628"/>
-            <a:ext cx="10052050" cy="846363"/>
+            <a:off x="32908052" y="27168765"/>
+            <a:ext cx="10052050" cy="4339627"/>
           </a:xfrm>
         </p:spPr>
         <p:txBody>
           <a:bodyPr/>
           <a:lstStyle/>
           <a:p>
-            <a:endParaRPr lang="en-US" dirty="0"/>
+            <a:pPr algn="just"/>
+            <a:r>
+              <a:rPr lang="en-US" sz="3600" dirty="0"/>
+              <a:t>W</a:t>
+            </a:r>
+            <a:r>
+              <a:rPr lang="en-US" sz="3600" dirty="0" smtClean="0"/>
+              <a:t>e </a:t>
+            </a:r>
+            <a:r>
+              <a:rPr lang="en-US" sz="3600" dirty="0" smtClean="0"/>
+              <a:t>would like to thank </a:t>
+            </a:r>
+            <a:r>
+              <a:rPr lang="en-US" sz="3600" dirty="0"/>
+              <a:t>Professor </a:t>
+            </a:r>
+            <a:r>
+              <a:rPr lang="en-US" sz="3600" dirty="0" err="1"/>
+              <a:t>Gultekin</a:t>
+            </a:r>
+            <a:r>
+              <a:rPr lang="en-US" sz="3600" dirty="0"/>
+              <a:t> </a:t>
+            </a:r>
+            <a:r>
+              <a:rPr lang="en-US" sz="3600" dirty="0" err="1"/>
+              <a:t>Ozsoyoglu</a:t>
+            </a:r>
+            <a:r>
+              <a:rPr lang="en-US" sz="3600" dirty="0"/>
+              <a:t> for </a:t>
+            </a:r>
+            <a:r>
+              <a:rPr lang="en-US" sz="3600" dirty="0" smtClean="0"/>
+              <a:t>his guidance and feedback. We would also like to thank </a:t>
+            </a:r>
+            <a:r>
+              <a:rPr lang="en-US" sz="3600" dirty="0" err="1" smtClean="0"/>
+              <a:t>Yiqian</a:t>
+            </a:r>
+            <a:r>
+              <a:rPr lang="en-US" sz="3600" dirty="0" smtClean="0"/>
+              <a:t> “Ted” Chen for beta-testing the application and helping us prepare this poster. We would also like to thank the staff at Kelvin Smith Library for continuously letting us borrow iPads for testing.</a:t>
+            </a:r>
+            <a:endParaRPr lang="en-US" sz="3600" dirty="0"/>
           </a:p>
         </p:txBody>
       </p:sp>
@@ -15262,8 +15465,68 @@
         </p:blipFill>
         <p:spPr>
           <a:xfrm>
-            <a:off x="23033233" y="22686491"/>
+            <a:off x="23037800" y="26153715"/>
             <a:ext cx="8483600" cy="5016500"/>
+          </a:xfrm>
+          <a:prstGeom prst="rect">
+            <a:avLst/>
+          </a:prstGeom>
+        </p:spPr>
+      </p:pic>
+      <p:pic>
+        <p:nvPicPr>
+          <p:cNvPr id="4" name="Picture 3"/>
+          <p:cNvPicPr>
+            <a:picLocks noChangeAspect="1"/>
+          </p:cNvPicPr>
+          <p:nvPr/>
+        </p:nvPicPr>
+        <p:blipFill>
+          <a:blip r:embed="rId5">
+            <a:extLst>
+              <a:ext uri="{28A0092B-C50C-407E-A947-70E740481C1C}">
+                <a14:useLocalDpi xmlns:a14="http://schemas.microsoft.com/office/drawing/2010/main" val="0"/>
+              </a:ext>
+            </a:extLst>
+          </a:blip>
+          <a:stretch>
+            <a:fillRect/>
+          </a:stretch>
+        </p:blipFill>
+        <p:spPr>
+          <a:xfrm>
+            <a:off x="23037800" y="11804973"/>
+            <a:ext cx="8394700" cy="4711700"/>
+          </a:xfrm>
+          <a:prstGeom prst="rect">
+            <a:avLst/>
+          </a:prstGeom>
+        </p:spPr>
+      </p:pic>
+      <p:pic>
+        <p:nvPicPr>
+          <p:cNvPr id="7" name="Picture 6"/>
+          <p:cNvPicPr>
+            <a:picLocks noChangeAspect="1"/>
+          </p:cNvPicPr>
+          <p:nvPr/>
+        </p:nvPicPr>
+        <p:blipFill>
+          <a:blip r:embed="rId6">
+            <a:extLst>
+              <a:ext uri="{28A0092B-C50C-407E-A947-70E740481C1C}">
+                <a14:useLocalDpi xmlns:a14="http://schemas.microsoft.com/office/drawing/2010/main" val="0"/>
+              </a:ext>
+            </a:extLst>
+          </a:blip>
+          <a:stretch>
+            <a:fillRect/>
+          </a:stretch>
+        </p:blipFill>
+        <p:spPr>
+          <a:xfrm>
+            <a:off x="22999700" y="19824145"/>
+            <a:ext cx="8432800" cy="4711700"/>
           </a:xfrm>
           <a:prstGeom prst="rect">
             <a:avLst/>
